--- a/Proyecto Capstone - La Batalla de los Vecindarios.pptx
+++ b/Proyecto Capstone - La Batalla de los Vecindarios.pptx
@@ -114,6 +114,11 @@
       </a:defRPr>
     </a:lvl9pPr>
   </p:defaultTextStyle>
+  <p:extLst>
+    <p:ext uri="{EFAFB233-063F-42B5-8137-9DF3F51BA10A}">
+      <p15:sldGuideLst xmlns:p15="http://schemas.microsoft.com/office/powerpoint/2012/main"/>
+    </p:ext>
+  </p:extLst>
 </p:presentation>
 </file>
 
@@ -3601,7 +3606,7 @@
         <p:spPr/>
         <p:txBody>
           <a:bodyPr>
-            <a:normAutofit/>
+            <a:normAutofit fontScale="92500" lnSpcReduction="10000"/>
           </a:bodyPr>
           <a:lstStyle/>
           <a:p>
@@ -3611,7 +3616,7 @@
                 <a:effectLst/>
                 <a:latin typeface="-apple-system"/>
               </a:rPr>
-              <a:t>Se recurrió a la base de datos de barrios de Medellín proporcionada en la pagina web de Geo Medellín de la Alcaldía.</a:t>
+              <a:t>Se recurrió a la base de datos de barrios de Medellín proporcionada en la página web de Geo Medellín de la Alcaldía, la cual contiene todos los barrios de Medellín con sus respectivos atributos como Nombre, Id, área, comuna a la que pertenece, entre otros.</a:t>
             </a:r>
           </a:p>
           <a:p>
@@ -3621,7 +3626,7 @@
                 <a:effectLst/>
                 <a:latin typeface="-apple-system"/>
               </a:rPr>
-              <a:t>Posteriormente se realizo limpieza de la data, dejando solo aquellos campos de interés.</a:t>
+              <a:t>Posteriormente se realizó limpieza de la data, dejando solo aquellos campos de interés.</a:t>
             </a:r>
           </a:p>
           <a:p>
@@ -3645,7 +3650,7 @@
                 <a:effectLst/>
                 <a:latin typeface="-apple-system"/>
               </a:rPr>
-              <a:t> para agregar al DataFrame los valores de latitud y longitud; gracias a esto tenemos nuestro input completo para interactuar con la API de Foursqueare, la cual nos permite hacer una análisis profundo de cada uno de los barrios.</a:t>
+              <a:t> para agregar al DataFrame los valores de latitud y longitud de cada barrio; gracias a esto tenemos nuestro input completo para interactuar con la API de Foursqueare, la cual nos permite hacer un análisis profundo de cada uno de los barrios. al conectarnos con la API podemos conocer cuáles son los sitios o las categorías de negocios más comunes en cada uno de los barrios.</a:t>
             </a:r>
           </a:p>
           <a:p>
@@ -3655,7 +3660,7 @@
                 <a:effectLst/>
                 <a:latin typeface="-apple-system"/>
               </a:rPr>
-              <a:t>Una vez con los datos necesarios, procedemos a construir la url de consulta a la API de Foursquare, y con la respuesta que nos da la API, realizamos el análisis de todos los barrios de Medellín, arrojando como resultado las 10 categorías de lugares mas comunes en cada uno de los barrios de Medellín.</a:t>
+              <a:t>Una vez con los datos necesarios, procedemos a construir la url de consulta a la API de Foursquare, y con la respuesta que nos da la API, realizamos el análisis de todos los barrios de Medellín, arrojando como resultado las 10 categorías de lugares más comunes en cada uno de los barrios de Medellín.</a:t>
             </a:r>
           </a:p>
           <a:p>
@@ -3665,24 +3670,13 @@
                 <a:effectLst/>
                 <a:latin typeface="-apple-system"/>
               </a:rPr>
-              <a:t>Por ultimo se realiza modelo de clustering con algoritmo K-</a:t>
-            </a:r>
-            <a:r>
-              <a:rPr lang="es-MX" b="0" i="0" dirty="0" err="1">
-                <a:effectLst/>
-                <a:latin typeface="-apple-system"/>
-              </a:rPr>
-              <a:t>Means</a:t>
-            </a:r>
-            <a:r>
-              <a:rPr lang="es-MX" b="0" i="0" dirty="0">
-                <a:effectLst/>
-                <a:latin typeface="-apple-system"/>
-              </a:rPr>
-              <a:t>, agrupando todo el set de datos en 5 clústeres.</a:t>
-            </a:r>
-          </a:p>
-          <a:p>
+              <a:t>Por último se realiza modelo de clustering con algoritmo K-Means, agrupando todo el set de datos en 5 clústeres.</a:t>
+            </a:r>
+          </a:p>
+          <a:p>
+            <a:pPr marL="0" indent="0">
+              <a:buNone/>
+            </a:pPr>
             <a:endParaRPr lang="es-CO" dirty="0"/>
           </a:p>
         </p:txBody>
@@ -3792,7 +3786,7 @@
                 <a:effectLst/>
                 <a:latin typeface="-apple-system"/>
               </a:rPr>
-              <a:t> (nuestra categoría de interés) entra como una de las 10 categorías mas populares, son en el sector de </a:t>
+              <a:t> (nuestra categoría de interés) entra como una de las 10 categorías más populares, son en el sector de </a:t>
             </a:r>
             <a:r>
               <a:rPr lang="es-MX" b="1" i="0" dirty="0">
@@ -3820,7 +3814,7 @@
                 <a:effectLst/>
                 <a:latin typeface="-apple-system"/>
               </a:rPr>
-              <a:t>.</a:t>
+              <a:t>; es decir, estos 2 sitios no serían sitios óptimos para entablar nuestro negocio Barber Shop.</a:t>
             </a:r>
           </a:p>
           <a:p>
@@ -3830,7 +3824,7 @@
                 <a:effectLst/>
                 <a:latin typeface="-apple-system"/>
               </a:rPr>
-              <a:t>Uno de los sitios mas optados para establecer una nueva barbería podría ser el sector de </a:t>
+              <a:t>Uno de los sitios más destacados para establecer una nueva barbería podría ser el sector de </a:t>
             </a:r>
             <a:r>
               <a:rPr lang="es-MX" b="1" i="0" dirty="0">
@@ -3844,7 +3838,7 @@
                 <a:effectLst/>
                 <a:latin typeface="-apple-system"/>
               </a:rPr>
-              <a:t>, ya que esta ubicado cerca al Metro de Medellín (sector muy transcurrido) y posee además diversos sitios de recreación, además Tricentenario queda en el top de los barrios mas comunes y concurridos y hace parte de nuestro Clúster 0, el cual contiene mayor comercialización y concurrencia.</a:t>
+              <a:t>, ya que está ubicado cerca al Metro de Medellín (sector muy transcurrido) y es el barrio que posee mayor cantidad de categorías de lugares diferentes, calificándolo como un sector altamente comercial, además que posee diversos sitios de recreación, según nuestro modelo de clustering, Tricentenario queda en el top de los barrios más comunes y concurridos y hace parte de nuestro Clúster 0, el cual contiene mayor comercialización y concurrencia.</a:t>
             </a:r>
           </a:p>
         </p:txBody>
@@ -3989,7 +3983,9 @@
         </p:nvSpPr>
         <p:spPr/>
         <p:txBody>
-          <a:bodyPr/>
+          <a:bodyPr>
+            <a:normAutofit lnSpcReduction="10000"/>
+          </a:bodyPr>
           <a:lstStyle/>
           <a:p>
             <a:pPr algn="l"/>
@@ -4008,8 +4004,35 @@
                 <a:effectLst/>
                 <a:latin typeface="-apple-system"/>
               </a:rPr>
-              <a:t>Para llevar esto a cabo vamos a hacer uso de diferentes herramientas, una de ellas es la base de datos de barrios Veredas de la ciudad de Medellín, base de datos proporcionada por la alcaldía de Medellín, y la otra herramienta es la API de Foursqueare, la cual vamos a utilizar para analizar a detalle cada uno de los barrios.</a:t>
-            </a:r>
+              <a:t>Para llevar esto a cabo vamos a hacer uso de diferentes herramientas, una de ellas es la base de datos de barrios Veredas de la ciudad de Medellín, base de datos proporcionada por la alcaldía de Medellín, y la otra herramienta es la API de Foursqueare, la cual vamos a utilizar para analizar a detalle cada uno de los barrios, al realizar este análisis nos daremos cuenta de aquellos lugares cercanos y comunes a nuestra área de interés, en este caso, la ciudad de Medellín.</a:t>
+            </a:r>
+          </a:p>
+          <a:p>
+            <a:pPr algn="l"/>
+            <a:r>
+              <a:rPr lang="es-MX" b="0" i="0" dirty="0">
+                <a:effectLst/>
+                <a:latin typeface="-apple-system"/>
+              </a:rPr>
+              <a:t>Cabe aclarar que nuestro caso de estudio es enfocado a una categoría de negocio en específico (Barber Shop), sin embargo, bajo esta misma metodología, el trabajo es aplicable a cualquier tipo de categorías de negocios.</a:t>
+            </a:r>
+          </a:p>
+          <a:p>
+            <a:pPr algn="l"/>
+            <a:r>
+              <a:rPr lang="es-MX" b="0" i="0" dirty="0">
+                <a:effectLst/>
+                <a:latin typeface="-apple-system"/>
+              </a:rPr>
+              <a:t>Además, nuestro público objetivo en este caso en una persona en específico que está interesada en saber dónde establecer un negocio en la ciudad de Medellín; pero es aplicable a cualquier tipo de público emprendedor.</a:t>
+            </a:r>
+          </a:p>
+          <a:p>
+            <a:pPr algn="l"/>
+            <a:endParaRPr lang="es-MX" b="0" i="0" dirty="0">
+              <a:effectLst/>
+              <a:latin typeface="-apple-system"/>
+            </a:endParaRPr>
           </a:p>
         </p:txBody>
       </p:sp>
@@ -4102,7 +4125,7 @@
                 <a:effectLst/>
                 <a:latin typeface="-apple-system"/>
               </a:rPr>
-              <a:t>Este problema surge de la motivación de un familiar X por entablar un negocio de Barber Shop en la ciudad de Medellín, sin embargo no sabe donde es mejor, debido a la gran demanda que están presentando estos sitios actualmente.</a:t>
+              <a:t>Este problema surge de la motivación de un familiar X por entablar un negocio de Barber Shop en la ciudad de Medellín, sin embargo, no sabe dónde es mejor, debido a la gran demanda que están presentando estos sitios actualmente.</a:t>
             </a:r>
           </a:p>
           <a:p>
@@ -4112,7 +4135,17 @@
                 <a:effectLst/>
                 <a:latin typeface="-apple-system"/>
               </a:rPr>
-              <a:t>Con base en lo anterior, utilizaremos Ciencia de Datos para generar Clústeres y así saber en cual barrio de Medellín es mas factible entablar una Barberia y donde no.</a:t>
+              <a:t>Con base en lo anterior, utilizaremos Ciencia de Datos para generar Clústeres y así saber en cual barrio de Medellín es más factible entablar una Barberia y donde no.</a:t>
+            </a:r>
+          </a:p>
+          <a:p>
+            <a:pPr algn="l"/>
+            <a:r>
+              <a:rPr lang="es-MX" b="0" i="0" dirty="0">
+                <a:effectLst/>
+                <a:latin typeface="-apple-system"/>
+              </a:rPr>
+              <a:t>Cabe aclarar una vez más, que con este proyecto le daremos solución a una necesidad puntual de una persona en específico, sin embargo, el presente proyecto es aplicable para cualquier persona emprendedora que quiere saber dónde puede ubicar su negocio, con base en que no haya mucha competencia y en que el sector tenga buena afluencia de personas.</a:t>
             </a:r>
           </a:p>
           <a:p>
@@ -4203,7 +4236,9 @@
         </p:nvSpPr>
         <p:spPr/>
         <p:txBody>
-          <a:bodyPr/>
+          <a:bodyPr>
+            <a:normAutofit lnSpcReduction="10000"/>
+          </a:bodyPr>
           <a:lstStyle/>
           <a:p>
             <a:pPr algn="l"/>
@@ -4240,7 +4275,7 @@
                 <a:effectLst/>
                 <a:latin typeface="-apple-system"/>
               </a:rPr>
-              <a:t>, sitio web administrado por la Alcaldía de Medellín. En esta fuente de datos, encontraremos cada uno de los barrios de la ciudad de Medellín.</a:t>
+              <a:t>, sitio web administrado por la Alcaldía de Medellín. En esta fuente de datos, encontraremos cada uno de los barrios de la ciudad de Medellín, juntos con otros atributos tales como tamaño del área, nombre de la comuna a la que pertenece, Id, entre otros. Posteriormente haremos limpieza de datos para dejar solo nuestros campos de interés.</a:t>
             </a:r>
           </a:p>
           <a:p>
@@ -4276,6 +4311,25 @@
               </a:rPr>
               <a:t>Una vez tengamos el DataFrame de los barrios de Medellín con sus respectivas coordenadas, procederemos a usar la API de Foursquare para analizar cada uno de los barrios.</a:t>
             </a:r>
+          </a:p>
+          <a:p>
+            <a:pPr algn="l"/>
+            <a:r>
+              <a:rPr lang="es-MX" b="0" i="0" dirty="0">
+                <a:effectLst/>
+                <a:latin typeface="-apple-system"/>
+              </a:rPr>
+              <a:t>Con nuestro DataFrame completo con el nombre del barrio y sus respectivas coordenadas, procedemos a conectarnos con Foursquare, el cual nos ayudará a analizar cuáles son las categorías de negocios más comunes en cada uno de los barrios de la ciudad de Medellín.</a:t>
+            </a:r>
+          </a:p>
+          <a:p>
+            <a:pPr marL="0" indent="0" algn="l">
+              <a:buNone/>
+            </a:pPr>
+            <a:endParaRPr lang="es-MX" b="0" i="0" dirty="0">
+              <a:effectLst/>
+              <a:latin typeface="-apple-system"/>
+            </a:endParaRPr>
           </a:p>
         </p:txBody>
       </p:sp>
@@ -4327,18 +4381,20 @@
         </p:nvSpPr>
         <p:spPr>
           <a:xfrm>
-            <a:off x="838200" y="537403"/>
+            <a:off x="470453" y="484395"/>
             <a:ext cx="10515600" cy="1325563"/>
           </a:xfrm>
         </p:spPr>
         <p:txBody>
-          <a:bodyPr/>
+          <a:bodyPr>
+            <a:normAutofit fontScale="90000"/>
+          </a:bodyPr>
           <a:lstStyle/>
           <a:p>
             <a:pPr algn="ctr"/>
             <a:r>
               <a:rPr lang="es-CO" dirty="0"/>
-              <a:t>Obtener barrios de Medellín con sus coordenadas y graficamos</a:t>
+              <a:t>Como primer paso obtenemos los barrios de Medellín con sus respectivas coordenadas</a:t>
             </a:r>
           </a:p>
         </p:txBody>
@@ -4456,13 +4512,15 @@
           </a:xfrm>
         </p:spPr>
         <p:txBody>
-          <a:bodyPr/>
+          <a:bodyPr>
+            <a:normAutofit fontScale="90000"/>
+          </a:bodyPr>
           <a:lstStyle/>
           <a:p>
             <a:pPr algn="ctr"/>
             <a:r>
               <a:rPr lang="es-CO" dirty="0"/>
-              <a:t>Obtener los 10 lugares mas comunes de cada barrio</a:t>
+              <a:t>Posteriormente con la ayuda de Foursquare obtenemos los 10 lugares mas comunes de cada barrio</a:t>
             </a:r>
           </a:p>
         </p:txBody>
@@ -4545,20 +4603,14 @@
         </p:nvSpPr>
         <p:spPr/>
         <p:txBody>
-          <a:bodyPr/>
-          <a:lstStyle/>
-          <a:p>
-            <a:r>
-              <a:rPr lang="es-CO" dirty="0"/>
-              <a:t>Aplicamos algoritmo K-</a:t>
-            </a:r>
-            <a:r>
-              <a:rPr lang="es-CO" dirty="0" err="1"/>
-              <a:t>Means</a:t>
-            </a:r>
-            <a:r>
-              <a:rPr lang="es-CO" dirty="0"/>
-              <a:t> para clústeres</a:t>
+          <a:bodyPr>
+            <a:noAutofit/>
+          </a:bodyPr>
+          <a:lstStyle/>
+          <a:p>
+            <a:r>
+              <a:rPr lang="es-CO" sz="3200" dirty="0"/>
+              <a:t>A nuestro Data Set aplicamos algoritmo K-Means de clustering para obtener 5 agrupaciones diferentes.</a:t>
             </a:r>
           </a:p>
         </p:txBody>
@@ -4641,13 +4693,15 @@
         </p:nvSpPr>
         <p:spPr/>
         <p:txBody>
-          <a:bodyPr/>
+          <a:bodyPr>
+            <a:normAutofit fontScale="90000"/>
+          </a:bodyPr>
           <a:lstStyle/>
           <a:p>
             <a:pPr algn="ctr"/>
             <a:r>
               <a:rPr lang="es-CO" dirty="0"/>
-              <a:t>Graficamos Clústeres</a:t>
+              <a:t>Una vez tengamos nuestros 5 Clústeres, los graficamos para ver la distribución.</a:t>
             </a:r>
           </a:p>
         </p:txBody>
